--- a/presentation/XVI-ALAGO-Template2.pptx
+++ b/presentation/XVI-ALAGO-Template2.pptx
@@ -8,7 +8,7 @@
     <p:sldId id="256" r:id="rId3"/>
   </p:sldIdLst>
   <p:sldSz cx="10080625" cy="7559675"/>
-  <p:notesSz cx="7559675" cy="10691812"/>
+  <p:notesSz cx="7559675" cy="10691813"/>
 </p:presentation>
 </file>
 
@@ -53,7 +53,7 @@
       </p:grpSpPr>
       <p:sp>
         <p:nvSpPr>
-          <p:cNvPr id="26" name="PlaceHolder 1"/>
+          <p:cNvPr id="23" name="PlaceHolder 1"/>
           <p:cNvSpPr>
             <a:spLocks noGrp="1"/>
           </p:cNvSpPr>
@@ -63,35 +63,39 @@
         </p:nvSpPr>
         <p:spPr>
           <a:xfrm>
-            <a:off x="755640" y="2348280"/>
-            <a:ext cx="8568000" cy="1620360"/>
-          </a:xfrm>
-          <a:prstGeom prst="rect">
-            <a:avLst/>
-          </a:prstGeom>
+            <a:off x="755280" y="2348280"/>
+            <a:ext cx="8566920" cy="1620000"/>
+          </a:xfrm>
+          <a:prstGeom prst="rect">
+            <a:avLst/>
+          </a:prstGeom>
+          <a:noFill/>
+          <a:ln w="0">
+            <a:noFill/>
+          </a:ln>
         </p:spPr>
         <p:txBody>
           <a:bodyPr lIns="0" rIns="0" tIns="0" bIns="0" anchor="ctr">
             <a:noAutofit/>
           </a:bodyPr>
           <a:p>
-            <a:endParaRPr b="0" lang="en-US" sz="1550" spc="-1" strike="noStrike">
-              <a:solidFill>
-                <a:srgbClr val="000000"/>
-              </a:solidFill>
-              <a:latin typeface="Calibri"/>
-            </a:endParaRPr>
-          </a:p>
-        </p:txBody>
-      </p:sp>
-      <p:sp>
-        <p:nvSpPr>
-          <p:cNvPr id="27" name="PlaceHolder 2"/>
-          <p:cNvSpPr>
-            <a:spLocks noGrp="1"/>
-          </p:cNvSpPr>
-          <p:nvPr>
-            <p:ph type="body"/>
+            <a:pPr algn="ctr">
+              <a:buNone/>
+            </a:pPr>
+            <a:endParaRPr b="0" lang="pt-BR" sz="4400" spc="-1" strike="noStrike">
+              <a:latin typeface="Arial"/>
+            </a:endParaRPr>
+          </a:p>
+        </p:txBody>
+      </p:sp>
+      <p:sp>
+        <p:nvSpPr>
+          <p:cNvPr id="24" name="PlaceHolder 2"/>
+          <p:cNvSpPr>
+            <a:spLocks noGrp="1"/>
+          </p:cNvSpPr>
+          <p:nvPr>
+            <p:ph/>
           </p:nvPr>
         </p:nvSpPr>
         <p:spPr>
@@ -102,29 +106,30 @@
           <a:prstGeom prst="rect">
             <a:avLst/>
           </a:prstGeom>
-        </p:spPr>
-        <p:txBody>
-          <a:bodyPr lIns="0" rIns="0" tIns="0" bIns="0">
-            <a:normAutofit fontScale="14000"/>
-          </a:bodyPr>
-          <a:p>
-            <a:endParaRPr b="0" lang="en-US" sz="14400" spc="-1" strike="noStrike">
-              <a:solidFill>
-                <a:srgbClr val="000000"/>
-              </a:solidFill>
-              <a:latin typeface="Calibri"/>
-            </a:endParaRPr>
-          </a:p>
-        </p:txBody>
-      </p:sp>
-      <p:sp>
-        <p:nvSpPr>
-          <p:cNvPr id="28" name="PlaceHolder 3"/>
-          <p:cNvSpPr>
-            <a:spLocks noGrp="1"/>
-          </p:cNvSpPr>
-          <p:nvPr>
-            <p:ph type="body"/>
+          <a:noFill/>
+          <a:ln w="0">
+            <a:noFill/>
+          </a:ln>
+        </p:spPr>
+        <p:txBody>
+          <a:bodyPr lIns="0" rIns="0" tIns="0" bIns="0" anchor="t">
+            <a:normAutofit/>
+          </a:bodyPr>
+          <a:p>
+            <a:endParaRPr b="0" lang="pt-BR" sz="3200" spc="-1" strike="noStrike">
+              <a:latin typeface="Arial"/>
+            </a:endParaRPr>
+          </a:p>
+        </p:txBody>
+      </p:sp>
+      <p:sp>
+        <p:nvSpPr>
+          <p:cNvPr id="25" name="PlaceHolder 3"/>
+          <p:cNvSpPr>
+            <a:spLocks noGrp="1"/>
+          </p:cNvSpPr>
+          <p:nvPr>
+            <p:ph/>
           </p:nvPr>
         </p:nvSpPr>
         <p:spPr>
@@ -135,17 +140,18 @@
           <a:prstGeom prst="rect">
             <a:avLst/>
           </a:prstGeom>
-        </p:spPr>
-        <p:txBody>
-          <a:bodyPr lIns="0" rIns="0" tIns="0" bIns="0">
-            <a:normAutofit fontScale="14000"/>
-          </a:bodyPr>
-          <a:p>
-            <a:endParaRPr b="0" lang="en-US" sz="14400" spc="-1" strike="noStrike">
-              <a:solidFill>
-                <a:srgbClr val="000000"/>
-              </a:solidFill>
-              <a:latin typeface="Calibri"/>
+          <a:noFill/>
+          <a:ln w="0">
+            <a:noFill/>
+          </a:ln>
+        </p:spPr>
+        <p:txBody>
+          <a:bodyPr lIns="0" rIns="0" tIns="0" bIns="0" anchor="t">
+            <a:normAutofit/>
+          </a:bodyPr>
+          <a:p>
+            <a:endParaRPr b="0" lang="pt-BR" sz="3200" spc="-1" strike="noStrike">
+              <a:latin typeface="Arial"/>
             </a:endParaRPr>
           </a:p>
         </p:txBody>
@@ -174,7 +180,7 @@
       </p:grpSpPr>
       <p:sp>
         <p:nvSpPr>
-          <p:cNvPr id="29" name="PlaceHolder 1"/>
+          <p:cNvPr id="26" name="PlaceHolder 1"/>
           <p:cNvSpPr>
             <a:spLocks noGrp="1"/>
           </p:cNvSpPr>
@@ -184,35 +190,39 @@
         </p:nvSpPr>
         <p:spPr>
           <a:xfrm>
-            <a:off x="755640" y="2348280"/>
-            <a:ext cx="8568000" cy="1620360"/>
-          </a:xfrm>
-          <a:prstGeom prst="rect">
-            <a:avLst/>
-          </a:prstGeom>
+            <a:off x="755280" y="2348280"/>
+            <a:ext cx="8566920" cy="1620000"/>
+          </a:xfrm>
+          <a:prstGeom prst="rect">
+            <a:avLst/>
+          </a:prstGeom>
+          <a:noFill/>
+          <a:ln w="0">
+            <a:noFill/>
+          </a:ln>
         </p:spPr>
         <p:txBody>
           <a:bodyPr lIns="0" rIns="0" tIns="0" bIns="0" anchor="ctr">
             <a:noAutofit/>
           </a:bodyPr>
           <a:p>
-            <a:endParaRPr b="0" lang="en-US" sz="1550" spc="-1" strike="noStrike">
-              <a:solidFill>
-                <a:srgbClr val="000000"/>
-              </a:solidFill>
-              <a:latin typeface="Calibri"/>
-            </a:endParaRPr>
-          </a:p>
-        </p:txBody>
-      </p:sp>
-      <p:sp>
-        <p:nvSpPr>
-          <p:cNvPr id="30" name="PlaceHolder 2"/>
-          <p:cNvSpPr>
-            <a:spLocks noGrp="1"/>
-          </p:cNvSpPr>
-          <p:nvPr>
-            <p:ph type="body"/>
+            <a:pPr algn="ctr">
+              <a:buNone/>
+            </a:pPr>
+            <a:endParaRPr b="0" lang="pt-BR" sz="4400" spc="-1" strike="noStrike">
+              <a:latin typeface="Arial"/>
+            </a:endParaRPr>
+          </a:p>
+        </p:txBody>
+      </p:sp>
+      <p:sp>
+        <p:nvSpPr>
+          <p:cNvPr id="27" name="PlaceHolder 2"/>
+          <p:cNvSpPr>
+            <a:spLocks noGrp="1"/>
+          </p:cNvSpPr>
+          <p:nvPr>
+            <p:ph/>
           </p:nvPr>
         </p:nvSpPr>
         <p:spPr>
@@ -223,29 +233,30 @@
           <a:prstGeom prst="rect">
             <a:avLst/>
           </a:prstGeom>
-        </p:spPr>
-        <p:txBody>
-          <a:bodyPr lIns="0" rIns="0" tIns="0" bIns="0">
-            <a:normAutofit fontScale="7000"/>
-          </a:bodyPr>
-          <a:p>
-            <a:endParaRPr b="0" lang="en-US" sz="14400" spc="-1" strike="noStrike">
-              <a:solidFill>
-                <a:srgbClr val="000000"/>
-              </a:solidFill>
-              <a:latin typeface="Calibri"/>
-            </a:endParaRPr>
-          </a:p>
-        </p:txBody>
-      </p:sp>
-      <p:sp>
-        <p:nvSpPr>
-          <p:cNvPr id="31" name="PlaceHolder 3"/>
-          <p:cNvSpPr>
-            <a:spLocks noGrp="1"/>
-          </p:cNvSpPr>
-          <p:nvPr>
-            <p:ph type="body"/>
+          <a:noFill/>
+          <a:ln w="0">
+            <a:noFill/>
+          </a:ln>
+        </p:spPr>
+        <p:txBody>
+          <a:bodyPr lIns="0" rIns="0" tIns="0" bIns="0" anchor="t">
+            <a:normAutofit/>
+          </a:bodyPr>
+          <a:p>
+            <a:endParaRPr b="0" lang="pt-BR" sz="3200" spc="-1" strike="noStrike">
+              <a:latin typeface="Arial"/>
+            </a:endParaRPr>
+          </a:p>
+        </p:txBody>
+      </p:sp>
+      <p:sp>
+        <p:nvSpPr>
+          <p:cNvPr id="28" name="PlaceHolder 3"/>
+          <p:cNvSpPr>
+            <a:spLocks noGrp="1"/>
+          </p:cNvSpPr>
+          <p:nvPr>
+            <p:ph/>
           </p:nvPr>
         </p:nvSpPr>
         <p:spPr>
@@ -256,29 +267,30 @@
           <a:prstGeom prst="rect">
             <a:avLst/>
           </a:prstGeom>
-        </p:spPr>
-        <p:txBody>
-          <a:bodyPr lIns="0" rIns="0" tIns="0" bIns="0">
-            <a:normAutofit fontScale="7000"/>
-          </a:bodyPr>
-          <a:p>
-            <a:endParaRPr b="0" lang="en-US" sz="14400" spc="-1" strike="noStrike">
-              <a:solidFill>
-                <a:srgbClr val="000000"/>
-              </a:solidFill>
-              <a:latin typeface="Calibri"/>
-            </a:endParaRPr>
-          </a:p>
-        </p:txBody>
-      </p:sp>
-      <p:sp>
-        <p:nvSpPr>
-          <p:cNvPr id="32" name="PlaceHolder 4"/>
-          <p:cNvSpPr>
-            <a:spLocks noGrp="1"/>
-          </p:cNvSpPr>
-          <p:nvPr>
-            <p:ph type="body"/>
+          <a:noFill/>
+          <a:ln w="0">
+            <a:noFill/>
+          </a:ln>
+        </p:spPr>
+        <p:txBody>
+          <a:bodyPr lIns="0" rIns="0" tIns="0" bIns="0" anchor="t">
+            <a:normAutofit/>
+          </a:bodyPr>
+          <a:p>
+            <a:endParaRPr b="0" lang="pt-BR" sz="3200" spc="-1" strike="noStrike">
+              <a:latin typeface="Arial"/>
+            </a:endParaRPr>
+          </a:p>
+        </p:txBody>
+      </p:sp>
+      <p:sp>
+        <p:nvSpPr>
+          <p:cNvPr id="29" name="PlaceHolder 4"/>
+          <p:cNvSpPr>
+            <a:spLocks noGrp="1"/>
+          </p:cNvSpPr>
+          <p:nvPr>
+            <p:ph/>
           </p:nvPr>
         </p:nvSpPr>
         <p:spPr>
@@ -289,29 +301,30 @@
           <a:prstGeom prst="rect">
             <a:avLst/>
           </a:prstGeom>
-        </p:spPr>
-        <p:txBody>
-          <a:bodyPr lIns="0" rIns="0" tIns="0" bIns="0">
-            <a:normAutofit fontScale="7000"/>
-          </a:bodyPr>
-          <a:p>
-            <a:endParaRPr b="0" lang="en-US" sz="14400" spc="-1" strike="noStrike">
-              <a:solidFill>
-                <a:srgbClr val="000000"/>
-              </a:solidFill>
-              <a:latin typeface="Calibri"/>
-            </a:endParaRPr>
-          </a:p>
-        </p:txBody>
-      </p:sp>
-      <p:sp>
-        <p:nvSpPr>
-          <p:cNvPr id="33" name="PlaceHolder 5"/>
-          <p:cNvSpPr>
-            <a:spLocks noGrp="1"/>
-          </p:cNvSpPr>
-          <p:nvPr>
-            <p:ph type="body"/>
+          <a:noFill/>
+          <a:ln w="0">
+            <a:noFill/>
+          </a:ln>
+        </p:spPr>
+        <p:txBody>
+          <a:bodyPr lIns="0" rIns="0" tIns="0" bIns="0" anchor="t">
+            <a:normAutofit/>
+          </a:bodyPr>
+          <a:p>
+            <a:endParaRPr b="0" lang="pt-BR" sz="3200" spc="-1" strike="noStrike">
+              <a:latin typeface="Arial"/>
+            </a:endParaRPr>
+          </a:p>
+        </p:txBody>
+      </p:sp>
+      <p:sp>
+        <p:nvSpPr>
+          <p:cNvPr id="30" name="PlaceHolder 5"/>
+          <p:cNvSpPr>
+            <a:spLocks noGrp="1"/>
+          </p:cNvSpPr>
+          <p:nvPr>
+            <p:ph/>
           </p:nvPr>
         </p:nvSpPr>
         <p:spPr>
@@ -322,17 +335,18 @@
           <a:prstGeom prst="rect">
             <a:avLst/>
           </a:prstGeom>
-        </p:spPr>
-        <p:txBody>
-          <a:bodyPr lIns="0" rIns="0" tIns="0" bIns="0">
-            <a:normAutofit fontScale="7000"/>
-          </a:bodyPr>
-          <a:p>
-            <a:endParaRPr b="0" lang="en-US" sz="14400" spc="-1" strike="noStrike">
-              <a:solidFill>
-                <a:srgbClr val="000000"/>
-              </a:solidFill>
-              <a:latin typeface="Calibri"/>
+          <a:noFill/>
+          <a:ln w="0">
+            <a:noFill/>
+          </a:ln>
+        </p:spPr>
+        <p:txBody>
+          <a:bodyPr lIns="0" rIns="0" tIns="0" bIns="0" anchor="t">
+            <a:normAutofit/>
+          </a:bodyPr>
+          <a:p>
+            <a:endParaRPr b="0" lang="pt-BR" sz="3200" spc="-1" strike="noStrike">
+              <a:latin typeface="Arial"/>
             </a:endParaRPr>
           </a:p>
         </p:txBody>
@@ -361,7 +375,7 @@
       </p:grpSpPr>
       <p:sp>
         <p:nvSpPr>
-          <p:cNvPr id="34" name="PlaceHolder 1"/>
+          <p:cNvPr id="31" name="PlaceHolder 1"/>
           <p:cNvSpPr>
             <a:spLocks noGrp="1"/>
           </p:cNvSpPr>
@@ -371,35 +385,39 @@
         </p:nvSpPr>
         <p:spPr>
           <a:xfrm>
-            <a:off x="755640" y="2348280"/>
-            <a:ext cx="8568000" cy="1620360"/>
-          </a:xfrm>
-          <a:prstGeom prst="rect">
-            <a:avLst/>
-          </a:prstGeom>
+            <a:off x="755280" y="2348280"/>
+            <a:ext cx="8566920" cy="1620000"/>
+          </a:xfrm>
+          <a:prstGeom prst="rect">
+            <a:avLst/>
+          </a:prstGeom>
+          <a:noFill/>
+          <a:ln w="0">
+            <a:noFill/>
+          </a:ln>
         </p:spPr>
         <p:txBody>
           <a:bodyPr lIns="0" rIns="0" tIns="0" bIns="0" anchor="ctr">
             <a:noAutofit/>
           </a:bodyPr>
           <a:p>
-            <a:endParaRPr b="0" lang="en-US" sz="1550" spc="-1" strike="noStrike">
-              <a:solidFill>
-                <a:srgbClr val="000000"/>
-              </a:solidFill>
-              <a:latin typeface="Calibri"/>
-            </a:endParaRPr>
-          </a:p>
-        </p:txBody>
-      </p:sp>
-      <p:sp>
-        <p:nvSpPr>
-          <p:cNvPr id="35" name="PlaceHolder 2"/>
-          <p:cNvSpPr>
-            <a:spLocks noGrp="1"/>
-          </p:cNvSpPr>
-          <p:nvPr>
-            <p:ph type="body"/>
+            <a:pPr algn="ctr">
+              <a:buNone/>
+            </a:pPr>
+            <a:endParaRPr b="0" lang="pt-BR" sz="4400" spc="-1" strike="noStrike">
+              <a:latin typeface="Arial"/>
+            </a:endParaRPr>
+          </a:p>
+        </p:txBody>
+      </p:sp>
+      <p:sp>
+        <p:nvSpPr>
+          <p:cNvPr id="32" name="PlaceHolder 2"/>
+          <p:cNvSpPr>
+            <a:spLocks noGrp="1"/>
+          </p:cNvSpPr>
+          <p:nvPr>
+            <p:ph/>
           </p:nvPr>
         </p:nvSpPr>
         <p:spPr>
@@ -410,29 +428,30 @@
           <a:prstGeom prst="rect">
             <a:avLst/>
           </a:prstGeom>
-        </p:spPr>
-        <p:txBody>
-          <a:bodyPr lIns="0" rIns="0" tIns="0" bIns="0">
-            <a:normAutofit fontScale="3000"/>
-          </a:bodyPr>
-          <a:p>
-            <a:endParaRPr b="0" lang="en-US" sz="14400" spc="-1" strike="noStrike">
-              <a:solidFill>
-                <a:srgbClr val="000000"/>
-              </a:solidFill>
-              <a:latin typeface="Calibri"/>
-            </a:endParaRPr>
-          </a:p>
-        </p:txBody>
-      </p:sp>
-      <p:sp>
-        <p:nvSpPr>
-          <p:cNvPr id="36" name="PlaceHolder 3"/>
-          <p:cNvSpPr>
-            <a:spLocks noGrp="1"/>
-          </p:cNvSpPr>
-          <p:nvPr>
-            <p:ph type="body"/>
+          <a:noFill/>
+          <a:ln w="0">
+            <a:noFill/>
+          </a:ln>
+        </p:spPr>
+        <p:txBody>
+          <a:bodyPr lIns="0" rIns="0" tIns="0" bIns="0" anchor="t">
+            <a:normAutofit/>
+          </a:bodyPr>
+          <a:p>
+            <a:endParaRPr b="0" lang="pt-BR" sz="3200" spc="-1" strike="noStrike">
+              <a:latin typeface="Arial"/>
+            </a:endParaRPr>
+          </a:p>
+        </p:txBody>
+      </p:sp>
+      <p:sp>
+        <p:nvSpPr>
+          <p:cNvPr id="33" name="PlaceHolder 3"/>
+          <p:cNvSpPr>
+            <a:spLocks noGrp="1"/>
+          </p:cNvSpPr>
+          <p:nvPr>
+            <p:ph/>
           </p:nvPr>
         </p:nvSpPr>
         <p:spPr>
@@ -443,29 +462,30 @@
           <a:prstGeom prst="rect">
             <a:avLst/>
           </a:prstGeom>
-        </p:spPr>
-        <p:txBody>
-          <a:bodyPr lIns="0" rIns="0" tIns="0" bIns="0">
-            <a:normAutofit fontScale="3000"/>
-          </a:bodyPr>
-          <a:p>
-            <a:endParaRPr b="0" lang="en-US" sz="14400" spc="-1" strike="noStrike">
-              <a:solidFill>
-                <a:srgbClr val="000000"/>
-              </a:solidFill>
-              <a:latin typeface="Calibri"/>
-            </a:endParaRPr>
-          </a:p>
-        </p:txBody>
-      </p:sp>
-      <p:sp>
-        <p:nvSpPr>
-          <p:cNvPr id="37" name="PlaceHolder 4"/>
-          <p:cNvSpPr>
-            <a:spLocks noGrp="1"/>
-          </p:cNvSpPr>
-          <p:nvPr>
-            <p:ph type="body"/>
+          <a:noFill/>
+          <a:ln w="0">
+            <a:noFill/>
+          </a:ln>
+        </p:spPr>
+        <p:txBody>
+          <a:bodyPr lIns="0" rIns="0" tIns="0" bIns="0" anchor="t">
+            <a:normAutofit/>
+          </a:bodyPr>
+          <a:p>
+            <a:endParaRPr b="0" lang="pt-BR" sz="3200" spc="-1" strike="noStrike">
+              <a:latin typeface="Arial"/>
+            </a:endParaRPr>
+          </a:p>
+        </p:txBody>
+      </p:sp>
+      <p:sp>
+        <p:nvSpPr>
+          <p:cNvPr id="34" name="PlaceHolder 4"/>
+          <p:cNvSpPr>
+            <a:spLocks noGrp="1"/>
+          </p:cNvSpPr>
+          <p:nvPr>
+            <p:ph/>
           </p:nvPr>
         </p:nvSpPr>
         <p:spPr>
@@ -476,29 +496,30 @@
           <a:prstGeom prst="rect">
             <a:avLst/>
           </a:prstGeom>
-        </p:spPr>
-        <p:txBody>
-          <a:bodyPr lIns="0" rIns="0" tIns="0" bIns="0">
-            <a:normAutofit fontScale="3000"/>
-          </a:bodyPr>
-          <a:p>
-            <a:endParaRPr b="0" lang="en-US" sz="14400" spc="-1" strike="noStrike">
-              <a:solidFill>
-                <a:srgbClr val="000000"/>
-              </a:solidFill>
-              <a:latin typeface="Calibri"/>
-            </a:endParaRPr>
-          </a:p>
-        </p:txBody>
-      </p:sp>
-      <p:sp>
-        <p:nvSpPr>
-          <p:cNvPr id="38" name="PlaceHolder 5"/>
-          <p:cNvSpPr>
-            <a:spLocks noGrp="1"/>
-          </p:cNvSpPr>
-          <p:nvPr>
-            <p:ph type="body"/>
+          <a:noFill/>
+          <a:ln w="0">
+            <a:noFill/>
+          </a:ln>
+        </p:spPr>
+        <p:txBody>
+          <a:bodyPr lIns="0" rIns="0" tIns="0" bIns="0" anchor="t">
+            <a:normAutofit/>
+          </a:bodyPr>
+          <a:p>
+            <a:endParaRPr b="0" lang="pt-BR" sz="3200" spc="-1" strike="noStrike">
+              <a:latin typeface="Arial"/>
+            </a:endParaRPr>
+          </a:p>
+        </p:txBody>
+      </p:sp>
+      <p:sp>
+        <p:nvSpPr>
+          <p:cNvPr id="35" name="PlaceHolder 5"/>
+          <p:cNvSpPr>
+            <a:spLocks noGrp="1"/>
+          </p:cNvSpPr>
+          <p:nvPr>
+            <p:ph/>
           </p:nvPr>
         </p:nvSpPr>
         <p:spPr>
@@ -509,29 +530,30 @@
           <a:prstGeom prst="rect">
             <a:avLst/>
           </a:prstGeom>
-        </p:spPr>
-        <p:txBody>
-          <a:bodyPr lIns="0" rIns="0" tIns="0" bIns="0">
-            <a:normAutofit fontScale="3000"/>
-          </a:bodyPr>
-          <a:p>
-            <a:endParaRPr b="0" lang="en-US" sz="14400" spc="-1" strike="noStrike">
-              <a:solidFill>
-                <a:srgbClr val="000000"/>
-              </a:solidFill>
-              <a:latin typeface="Calibri"/>
-            </a:endParaRPr>
-          </a:p>
-        </p:txBody>
-      </p:sp>
-      <p:sp>
-        <p:nvSpPr>
-          <p:cNvPr id="39" name="PlaceHolder 6"/>
-          <p:cNvSpPr>
-            <a:spLocks noGrp="1"/>
-          </p:cNvSpPr>
-          <p:nvPr>
-            <p:ph type="body"/>
+          <a:noFill/>
+          <a:ln w="0">
+            <a:noFill/>
+          </a:ln>
+        </p:spPr>
+        <p:txBody>
+          <a:bodyPr lIns="0" rIns="0" tIns="0" bIns="0" anchor="t">
+            <a:normAutofit/>
+          </a:bodyPr>
+          <a:p>
+            <a:endParaRPr b="0" lang="pt-BR" sz="3200" spc="-1" strike="noStrike">
+              <a:latin typeface="Arial"/>
+            </a:endParaRPr>
+          </a:p>
+        </p:txBody>
+      </p:sp>
+      <p:sp>
+        <p:nvSpPr>
+          <p:cNvPr id="36" name="PlaceHolder 6"/>
+          <p:cNvSpPr>
+            <a:spLocks noGrp="1"/>
+          </p:cNvSpPr>
+          <p:nvPr>
+            <p:ph/>
           </p:nvPr>
         </p:nvSpPr>
         <p:spPr>
@@ -542,29 +564,30 @@
           <a:prstGeom prst="rect">
             <a:avLst/>
           </a:prstGeom>
-        </p:spPr>
-        <p:txBody>
-          <a:bodyPr lIns="0" rIns="0" tIns="0" bIns="0">
-            <a:normAutofit fontScale="3000"/>
-          </a:bodyPr>
-          <a:p>
-            <a:endParaRPr b="0" lang="en-US" sz="14400" spc="-1" strike="noStrike">
-              <a:solidFill>
-                <a:srgbClr val="000000"/>
-              </a:solidFill>
-              <a:latin typeface="Calibri"/>
-            </a:endParaRPr>
-          </a:p>
-        </p:txBody>
-      </p:sp>
-      <p:sp>
-        <p:nvSpPr>
-          <p:cNvPr id="40" name="PlaceHolder 7"/>
-          <p:cNvSpPr>
-            <a:spLocks noGrp="1"/>
-          </p:cNvSpPr>
-          <p:nvPr>
-            <p:ph type="body"/>
+          <a:noFill/>
+          <a:ln w="0">
+            <a:noFill/>
+          </a:ln>
+        </p:spPr>
+        <p:txBody>
+          <a:bodyPr lIns="0" rIns="0" tIns="0" bIns="0" anchor="t">
+            <a:normAutofit/>
+          </a:bodyPr>
+          <a:p>
+            <a:endParaRPr b="0" lang="pt-BR" sz="3200" spc="-1" strike="noStrike">
+              <a:latin typeface="Arial"/>
+            </a:endParaRPr>
+          </a:p>
+        </p:txBody>
+      </p:sp>
+      <p:sp>
+        <p:nvSpPr>
+          <p:cNvPr id="37" name="PlaceHolder 7"/>
+          <p:cNvSpPr>
+            <a:spLocks noGrp="1"/>
+          </p:cNvSpPr>
+          <p:nvPr>
+            <p:ph/>
           </p:nvPr>
         </p:nvSpPr>
         <p:spPr>
@@ -575,17 +598,18 @@
           <a:prstGeom prst="rect">
             <a:avLst/>
           </a:prstGeom>
-        </p:spPr>
-        <p:txBody>
-          <a:bodyPr lIns="0" rIns="0" tIns="0" bIns="0">
-            <a:normAutofit fontScale="3000"/>
-          </a:bodyPr>
-          <a:p>
-            <a:endParaRPr b="0" lang="en-US" sz="14400" spc="-1" strike="noStrike">
-              <a:solidFill>
-                <a:srgbClr val="000000"/>
-              </a:solidFill>
-              <a:latin typeface="Calibri"/>
+          <a:noFill/>
+          <a:ln w="0">
+            <a:noFill/>
+          </a:ln>
+        </p:spPr>
+        <p:txBody>
+          <a:bodyPr lIns="0" rIns="0" tIns="0" bIns="0" anchor="t">
+            <a:normAutofit/>
+          </a:bodyPr>
+          <a:p>
+            <a:endParaRPr b="0" lang="pt-BR" sz="3200" spc="-1" strike="noStrike">
+              <a:latin typeface="Arial"/>
             </a:endParaRPr>
           </a:p>
         </p:txBody>
@@ -614,7 +638,7 @@
       </p:grpSpPr>
       <p:sp>
         <p:nvSpPr>
-          <p:cNvPr id="5" name="PlaceHolder 1"/>
+          <p:cNvPr id="2" name="PlaceHolder 1"/>
           <p:cNvSpPr>
             <a:spLocks noGrp="1"/>
           </p:cNvSpPr>
@@ -624,30 +648,34 @@
         </p:nvSpPr>
         <p:spPr>
           <a:xfrm>
-            <a:off x="755640" y="2348280"/>
-            <a:ext cx="8568000" cy="1620360"/>
-          </a:xfrm>
-          <a:prstGeom prst="rect">
-            <a:avLst/>
-          </a:prstGeom>
+            <a:off x="755280" y="2348280"/>
+            <a:ext cx="8566920" cy="1620000"/>
+          </a:xfrm>
+          <a:prstGeom prst="rect">
+            <a:avLst/>
+          </a:prstGeom>
+          <a:noFill/>
+          <a:ln w="0">
+            <a:noFill/>
+          </a:ln>
         </p:spPr>
         <p:txBody>
           <a:bodyPr lIns="0" rIns="0" tIns="0" bIns="0" anchor="ctr">
             <a:noAutofit/>
           </a:bodyPr>
           <a:p>
-            <a:endParaRPr b="0" lang="en-US" sz="1550" spc="-1" strike="noStrike">
-              <a:solidFill>
-                <a:srgbClr val="000000"/>
-              </a:solidFill>
-              <a:latin typeface="Calibri"/>
-            </a:endParaRPr>
-          </a:p>
-        </p:txBody>
-      </p:sp>
-      <p:sp>
-        <p:nvSpPr>
-          <p:cNvPr id="6" name="PlaceHolder 2"/>
+            <a:pPr algn="ctr">
+              <a:buNone/>
+            </a:pPr>
+            <a:endParaRPr b="0" lang="pt-BR" sz="4400" spc="-1" strike="noStrike">
+              <a:latin typeface="Arial"/>
+            </a:endParaRPr>
+          </a:p>
+        </p:txBody>
+      </p:sp>
+      <p:sp>
+        <p:nvSpPr>
+          <p:cNvPr id="3" name="PlaceHolder 2"/>
           <p:cNvSpPr>
             <a:spLocks noGrp="1"/>
           </p:cNvSpPr>
@@ -663,13 +691,19 @@
           <a:prstGeom prst="rect">
             <a:avLst/>
           </a:prstGeom>
+          <a:noFill/>
+          <a:ln w="0">
+            <a:noFill/>
+          </a:ln>
         </p:spPr>
         <p:txBody>
           <a:bodyPr lIns="0" rIns="0" tIns="0" bIns="0" anchor="ctr">
             <a:noAutofit/>
           </a:bodyPr>
           <a:p>
-            <a:pPr algn="ctr"/>
+            <a:pPr algn="ctr">
+              <a:buNone/>
+            </a:pPr>
             <a:endParaRPr b="0" lang="pt-BR" sz="3200" spc="-1" strike="noStrike">
               <a:latin typeface="Arial"/>
             </a:endParaRPr>
@@ -700,7 +734,7 @@
       </p:grpSpPr>
       <p:sp>
         <p:nvSpPr>
-          <p:cNvPr id="7" name="PlaceHolder 1"/>
+          <p:cNvPr id="4" name="PlaceHolder 1"/>
           <p:cNvSpPr>
             <a:spLocks noGrp="1"/>
           </p:cNvSpPr>
@@ -710,35 +744,39 @@
         </p:nvSpPr>
         <p:spPr>
           <a:xfrm>
-            <a:off x="755640" y="2348280"/>
-            <a:ext cx="8568000" cy="1620360"/>
-          </a:xfrm>
-          <a:prstGeom prst="rect">
-            <a:avLst/>
-          </a:prstGeom>
+            <a:off x="755280" y="2348280"/>
+            <a:ext cx="8566920" cy="1620000"/>
+          </a:xfrm>
+          <a:prstGeom prst="rect">
+            <a:avLst/>
+          </a:prstGeom>
+          <a:noFill/>
+          <a:ln w="0">
+            <a:noFill/>
+          </a:ln>
         </p:spPr>
         <p:txBody>
           <a:bodyPr lIns="0" rIns="0" tIns="0" bIns="0" anchor="ctr">
             <a:noAutofit/>
           </a:bodyPr>
           <a:p>
-            <a:endParaRPr b="0" lang="en-US" sz="1550" spc="-1" strike="noStrike">
-              <a:solidFill>
-                <a:srgbClr val="000000"/>
-              </a:solidFill>
-              <a:latin typeface="Calibri"/>
-            </a:endParaRPr>
-          </a:p>
-        </p:txBody>
-      </p:sp>
-      <p:sp>
-        <p:nvSpPr>
-          <p:cNvPr id="8" name="PlaceHolder 2"/>
-          <p:cNvSpPr>
-            <a:spLocks noGrp="1"/>
-          </p:cNvSpPr>
-          <p:nvPr>
-            <p:ph type="body"/>
+            <a:pPr algn="ctr">
+              <a:buNone/>
+            </a:pPr>
+            <a:endParaRPr b="0" lang="pt-BR" sz="4400" spc="-1" strike="noStrike">
+              <a:latin typeface="Arial"/>
+            </a:endParaRPr>
+          </a:p>
+        </p:txBody>
+      </p:sp>
+      <p:sp>
+        <p:nvSpPr>
+          <p:cNvPr id="5" name="PlaceHolder 2"/>
+          <p:cNvSpPr>
+            <a:spLocks noGrp="1"/>
+          </p:cNvSpPr>
+          <p:nvPr>
+            <p:ph/>
           </p:nvPr>
         </p:nvSpPr>
         <p:spPr>
@@ -749,17 +787,18 @@
           <a:prstGeom prst="rect">
             <a:avLst/>
           </a:prstGeom>
-        </p:spPr>
-        <p:txBody>
-          <a:bodyPr lIns="0" rIns="0" tIns="0" bIns="0">
-            <a:normAutofit fontScale="45000"/>
-          </a:bodyPr>
-          <a:p>
-            <a:endParaRPr b="0" lang="en-US" sz="14400" spc="-1" strike="noStrike">
-              <a:solidFill>
-                <a:srgbClr val="000000"/>
-              </a:solidFill>
-              <a:latin typeface="Calibri"/>
+          <a:noFill/>
+          <a:ln w="0">
+            <a:noFill/>
+          </a:ln>
+        </p:spPr>
+        <p:txBody>
+          <a:bodyPr lIns="0" rIns="0" tIns="0" bIns="0" anchor="t">
+            <a:normAutofit/>
+          </a:bodyPr>
+          <a:p>
+            <a:endParaRPr b="0" lang="pt-BR" sz="3200" spc="-1" strike="noStrike">
+              <a:latin typeface="Arial"/>
             </a:endParaRPr>
           </a:p>
         </p:txBody>
@@ -788,7 +827,7 @@
       </p:grpSpPr>
       <p:sp>
         <p:nvSpPr>
-          <p:cNvPr id="9" name="PlaceHolder 1"/>
+          <p:cNvPr id="6" name="PlaceHolder 1"/>
           <p:cNvSpPr>
             <a:spLocks noGrp="1"/>
           </p:cNvSpPr>
@@ -798,35 +837,39 @@
         </p:nvSpPr>
         <p:spPr>
           <a:xfrm>
-            <a:off x="755640" y="2348280"/>
-            <a:ext cx="8568000" cy="1620360"/>
-          </a:xfrm>
-          <a:prstGeom prst="rect">
-            <a:avLst/>
-          </a:prstGeom>
+            <a:off x="755280" y="2348280"/>
+            <a:ext cx="8566920" cy="1620000"/>
+          </a:xfrm>
+          <a:prstGeom prst="rect">
+            <a:avLst/>
+          </a:prstGeom>
+          <a:noFill/>
+          <a:ln w="0">
+            <a:noFill/>
+          </a:ln>
         </p:spPr>
         <p:txBody>
           <a:bodyPr lIns="0" rIns="0" tIns="0" bIns="0" anchor="ctr">
             <a:noAutofit/>
           </a:bodyPr>
           <a:p>
-            <a:endParaRPr b="0" lang="en-US" sz="1550" spc="-1" strike="noStrike">
-              <a:solidFill>
-                <a:srgbClr val="000000"/>
-              </a:solidFill>
-              <a:latin typeface="Calibri"/>
-            </a:endParaRPr>
-          </a:p>
-        </p:txBody>
-      </p:sp>
-      <p:sp>
-        <p:nvSpPr>
-          <p:cNvPr id="10" name="PlaceHolder 2"/>
-          <p:cNvSpPr>
-            <a:spLocks noGrp="1"/>
-          </p:cNvSpPr>
-          <p:nvPr>
-            <p:ph type="body"/>
+            <a:pPr algn="ctr">
+              <a:buNone/>
+            </a:pPr>
+            <a:endParaRPr b="0" lang="pt-BR" sz="4400" spc="-1" strike="noStrike">
+              <a:latin typeface="Arial"/>
+            </a:endParaRPr>
+          </a:p>
+        </p:txBody>
+      </p:sp>
+      <p:sp>
+        <p:nvSpPr>
+          <p:cNvPr id="7" name="PlaceHolder 2"/>
+          <p:cNvSpPr>
+            <a:spLocks noGrp="1"/>
+          </p:cNvSpPr>
+          <p:nvPr>
+            <p:ph/>
           </p:nvPr>
         </p:nvSpPr>
         <p:spPr>
@@ -837,29 +880,30 @@
           <a:prstGeom prst="rect">
             <a:avLst/>
           </a:prstGeom>
-        </p:spPr>
-        <p:txBody>
-          <a:bodyPr lIns="0" rIns="0" tIns="0" bIns="0">
-            <a:normAutofit fontScale="24000"/>
-          </a:bodyPr>
-          <a:p>
-            <a:endParaRPr b="0" lang="en-US" sz="14400" spc="-1" strike="noStrike">
-              <a:solidFill>
-                <a:srgbClr val="000000"/>
-              </a:solidFill>
-              <a:latin typeface="Calibri"/>
-            </a:endParaRPr>
-          </a:p>
-        </p:txBody>
-      </p:sp>
-      <p:sp>
-        <p:nvSpPr>
-          <p:cNvPr id="11" name="PlaceHolder 3"/>
-          <p:cNvSpPr>
-            <a:spLocks noGrp="1"/>
-          </p:cNvSpPr>
-          <p:nvPr>
-            <p:ph type="body"/>
+          <a:noFill/>
+          <a:ln w="0">
+            <a:noFill/>
+          </a:ln>
+        </p:spPr>
+        <p:txBody>
+          <a:bodyPr lIns="0" rIns="0" tIns="0" bIns="0" anchor="t">
+            <a:normAutofit/>
+          </a:bodyPr>
+          <a:p>
+            <a:endParaRPr b="0" lang="pt-BR" sz="3200" spc="-1" strike="noStrike">
+              <a:latin typeface="Arial"/>
+            </a:endParaRPr>
+          </a:p>
+        </p:txBody>
+      </p:sp>
+      <p:sp>
+        <p:nvSpPr>
+          <p:cNvPr id="8" name="PlaceHolder 3"/>
+          <p:cNvSpPr>
+            <a:spLocks noGrp="1"/>
+          </p:cNvSpPr>
+          <p:nvPr>
+            <p:ph/>
           </p:nvPr>
         </p:nvSpPr>
         <p:spPr>
@@ -870,17 +914,18 @@
           <a:prstGeom prst="rect">
             <a:avLst/>
           </a:prstGeom>
-        </p:spPr>
-        <p:txBody>
-          <a:bodyPr lIns="0" rIns="0" tIns="0" bIns="0">
-            <a:normAutofit fontScale="24000"/>
-          </a:bodyPr>
-          <a:p>
-            <a:endParaRPr b="0" lang="en-US" sz="14400" spc="-1" strike="noStrike">
-              <a:solidFill>
-                <a:srgbClr val="000000"/>
-              </a:solidFill>
-              <a:latin typeface="Calibri"/>
+          <a:noFill/>
+          <a:ln w="0">
+            <a:noFill/>
+          </a:ln>
+        </p:spPr>
+        <p:txBody>
+          <a:bodyPr lIns="0" rIns="0" tIns="0" bIns="0" anchor="t">
+            <a:normAutofit/>
+          </a:bodyPr>
+          <a:p>
+            <a:endParaRPr b="0" lang="pt-BR" sz="3200" spc="-1" strike="noStrike">
+              <a:latin typeface="Arial"/>
             </a:endParaRPr>
           </a:p>
         </p:txBody>
@@ -909,7 +954,7 @@
       </p:grpSpPr>
       <p:sp>
         <p:nvSpPr>
-          <p:cNvPr id="12" name="PlaceHolder 1"/>
+          <p:cNvPr id="9" name="PlaceHolder 1"/>
           <p:cNvSpPr>
             <a:spLocks noGrp="1"/>
           </p:cNvSpPr>
@@ -919,23 +964,27 @@
         </p:nvSpPr>
         <p:spPr>
           <a:xfrm>
-            <a:off x="755640" y="2348280"/>
-            <a:ext cx="8568000" cy="1620360"/>
-          </a:xfrm>
-          <a:prstGeom prst="rect">
-            <a:avLst/>
-          </a:prstGeom>
+            <a:off x="755280" y="2348280"/>
+            <a:ext cx="8566920" cy="1620000"/>
+          </a:xfrm>
+          <a:prstGeom prst="rect">
+            <a:avLst/>
+          </a:prstGeom>
+          <a:noFill/>
+          <a:ln w="0">
+            <a:noFill/>
+          </a:ln>
         </p:spPr>
         <p:txBody>
           <a:bodyPr lIns="0" rIns="0" tIns="0" bIns="0" anchor="ctr">
             <a:noAutofit/>
           </a:bodyPr>
           <a:p>
-            <a:endParaRPr b="0" lang="en-US" sz="1550" spc="-1" strike="noStrike">
-              <a:solidFill>
-                <a:srgbClr val="000000"/>
-              </a:solidFill>
-              <a:latin typeface="Calibri"/>
+            <a:pPr algn="ctr">
+              <a:buNone/>
+            </a:pPr>
+            <a:endParaRPr b="0" lang="pt-BR" sz="4400" spc="-1" strike="noStrike">
+              <a:latin typeface="Arial"/>
             </a:endParaRPr>
           </a:p>
         </p:txBody>
@@ -964,7 +1013,7 @@
       </p:grpSpPr>
       <p:sp>
         <p:nvSpPr>
-          <p:cNvPr id="13" name="PlaceHolder 1"/>
+          <p:cNvPr id="10" name="PlaceHolder 1"/>
           <p:cNvSpPr>
             <a:spLocks noGrp="1"/>
           </p:cNvSpPr>
@@ -974,19 +1023,25 @@
         </p:nvSpPr>
         <p:spPr>
           <a:xfrm>
-            <a:off x="755640" y="2348280"/>
-            <a:ext cx="8568000" cy="7512480"/>
-          </a:xfrm>
-          <a:prstGeom prst="rect">
-            <a:avLst/>
-          </a:prstGeom>
+            <a:off x="755280" y="2348280"/>
+            <a:ext cx="8566920" cy="7510680"/>
+          </a:xfrm>
+          <a:prstGeom prst="rect">
+            <a:avLst/>
+          </a:prstGeom>
+          <a:noFill/>
+          <a:ln w="0">
+            <a:noFill/>
+          </a:ln>
         </p:spPr>
         <p:txBody>
           <a:bodyPr lIns="0" rIns="0" tIns="0" bIns="0" anchor="ctr">
             <a:noAutofit/>
           </a:bodyPr>
           <a:p>
-            <a:pPr algn="ctr"/>
+            <a:pPr algn="ctr">
+              <a:buNone/>
+            </a:pPr>
             <a:endParaRPr b="0" lang="pt-BR" sz="3200" spc="-1" strike="noStrike">
               <a:latin typeface="Arial"/>
             </a:endParaRPr>
@@ -1017,7 +1072,7 @@
       </p:grpSpPr>
       <p:sp>
         <p:nvSpPr>
-          <p:cNvPr id="14" name="PlaceHolder 1"/>
+          <p:cNvPr id="11" name="PlaceHolder 1"/>
           <p:cNvSpPr>
             <a:spLocks noGrp="1"/>
           </p:cNvSpPr>
@@ -1027,35 +1082,39 @@
         </p:nvSpPr>
         <p:spPr>
           <a:xfrm>
-            <a:off x="755640" y="2348280"/>
-            <a:ext cx="8568000" cy="1620360"/>
-          </a:xfrm>
-          <a:prstGeom prst="rect">
-            <a:avLst/>
-          </a:prstGeom>
+            <a:off x="755280" y="2348280"/>
+            <a:ext cx="8566920" cy="1620000"/>
+          </a:xfrm>
+          <a:prstGeom prst="rect">
+            <a:avLst/>
+          </a:prstGeom>
+          <a:noFill/>
+          <a:ln w="0">
+            <a:noFill/>
+          </a:ln>
         </p:spPr>
         <p:txBody>
           <a:bodyPr lIns="0" rIns="0" tIns="0" bIns="0" anchor="ctr">
             <a:noAutofit/>
           </a:bodyPr>
           <a:p>
-            <a:endParaRPr b="0" lang="en-US" sz="1550" spc="-1" strike="noStrike">
-              <a:solidFill>
-                <a:srgbClr val="000000"/>
-              </a:solidFill>
-              <a:latin typeface="Calibri"/>
-            </a:endParaRPr>
-          </a:p>
-        </p:txBody>
-      </p:sp>
-      <p:sp>
-        <p:nvSpPr>
-          <p:cNvPr id="15" name="PlaceHolder 2"/>
-          <p:cNvSpPr>
-            <a:spLocks noGrp="1"/>
-          </p:cNvSpPr>
-          <p:nvPr>
-            <p:ph type="body"/>
+            <a:pPr algn="ctr">
+              <a:buNone/>
+            </a:pPr>
+            <a:endParaRPr b="0" lang="pt-BR" sz="4400" spc="-1" strike="noStrike">
+              <a:latin typeface="Arial"/>
+            </a:endParaRPr>
+          </a:p>
+        </p:txBody>
+      </p:sp>
+      <p:sp>
+        <p:nvSpPr>
+          <p:cNvPr id="12" name="PlaceHolder 2"/>
+          <p:cNvSpPr>
+            <a:spLocks noGrp="1"/>
+          </p:cNvSpPr>
+          <p:nvPr>
+            <p:ph/>
           </p:nvPr>
         </p:nvSpPr>
         <p:spPr>
@@ -1066,29 +1125,30 @@
           <a:prstGeom prst="rect">
             <a:avLst/>
           </a:prstGeom>
-        </p:spPr>
-        <p:txBody>
-          <a:bodyPr lIns="0" rIns="0" tIns="0" bIns="0">
-            <a:normAutofit fontScale="7000"/>
-          </a:bodyPr>
-          <a:p>
-            <a:endParaRPr b="0" lang="en-US" sz="14400" spc="-1" strike="noStrike">
-              <a:solidFill>
-                <a:srgbClr val="000000"/>
-              </a:solidFill>
-              <a:latin typeface="Calibri"/>
-            </a:endParaRPr>
-          </a:p>
-        </p:txBody>
-      </p:sp>
-      <p:sp>
-        <p:nvSpPr>
-          <p:cNvPr id="16" name="PlaceHolder 3"/>
-          <p:cNvSpPr>
-            <a:spLocks noGrp="1"/>
-          </p:cNvSpPr>
-          <p:nvPr>
-            <p:ph type="body"/>
+          <a:noFill/>
+          <a:ln w="0">
+            <a:noFill/>
+          </a:ln>
+        </p:spPr>
+        <p:txBody>
+          <a:bodyPr lIns="0" rIns="0" tIns="0" bIns="0" anchor="t">
+            <a:normAutofit/>
+          </a:bodyPr>
+          <a:p>
+            <a:endParaRPr b="0" lang="pt-BR" sz="3200" spc="-1" strike="noStrike">
+              <a:latin typeface="Arial"/>
+            </a:endParaRPr>
+          </a:p>
+        </p:txBody>
+      </p:sp>
+      <p:sp>
+        <p:nvSpPr>
+          <p:cNvPr id="13" name="PlaceHolder 3"/>
+          <p:cNvSpPr>
+            <a:spLocks noGrp="1"/>
+          </p:cNvSpPr>
+          <p:nvPr>
+            <p:ph/>
           </p:nvPr>
         </p:nvSpPr>
         <p:spPr>
@@ -1099,29 +1159,30 @@
           <a:prstGeom prst="rect">
             <a:avLst/>
           </a:prstGeom>
-        </p:spPr>
-        <p:txBody>
-          <a:bodyPr lIns="0" rIns="0" tIns="0" bIns="0">
-            <a:normAutofit fontScale="24000"/>
-          </a:bodyPr>
-          <a:p>
-            <a:endParaRPr b="0" lang="en-US" sz="14400" spc="-1" strike="noStrike">
-              <a:solidFill>
-                <a:srgbClr val="000000"/>
-              </a:solidFill>
-              <a:latin typeface="Calibri"/>
-            </a:endParaRPr>
-          </a:p>
-        </p:txBody>
-      </p:sp>
-      <p:sp>
-        <p:nvSpPr>
-          <p:cNvPr id="17" name="PlaceHolder 4"/>
-          <p:cNvSpPr>
-            <a:spLocks noGrp="1"/>
-          </p:cNvSpPr>
-          <p:nvPr>
-            <p:ph type="body"/>
+          <a:noFill/>
+          <a:ln w="0">
+            <a:noFill/>
+          </a:ln>
+        </p:spPr>
+        <p:txBody>
+          <a:bodyPr lIns="0" rIns="0" tIns="0" bIns="0" anchor="t">
+            <a:normAutofit/>
+          </a:bodyPr>
+          <a:p>
+            <a:endParaRPr b="0" lang="pt-BR" sz="3200" spc="-1" strike="noStrike">
+              <a:latin typeface="Arial"/>
+            </a:endParaRPr>
+          </a:p>
+        </p:txBody>
+      </p:sp>
+      <p:sp>
+        <p:nvSpPr>
+          <p:cNvPr id="14" name="PlaceHolder 4"/>
+          <p:cNvSpPr>
+            <a:spLocks noGrp="1"/>
+          </p:cNvSpPr>
+          <p:nvPr>
+            <p:ph/>
           </p:nvPr>
         </p:nvSpPr>
         <p:spPr>
@@ -1132,17 +1193,18 @@
           <a:prstGeom prst="rect">
             <a:avLst/>
           </a:prstGeom>
-        </p:spPr>
-        <p:txBody>
-          <a:bodyPr lIns="0" rIns="0" tIns="0" bIns="0">
-            <a:normAutofit fontScale="7000"/>
-          </a:bodyPr>
-          <a:p>
-            <a:endParaRPr b="0" lang="en-US" sz="14400" spc="-1" strike="noStrike">
-              <a:solidFill>
-                <a:srgbClr val="000000"/>
-              </a:solidFill>
-              <a:latin typeface="Calibri"/>
+          <a:noFill/>
+          <a:ln w="0">
+            <a:noFill/>
+          </a:ln>
+        </p:spPr>
+        <p:txBody>
+          <a:bodyPr lIns="0" rIns="0" tIns="0" bIns="0" anchor="t">
+            <a:normAutofit/>
+          </a:bodyPr>
+          <a:p>
+            <a:endParaRPr b="0" lang="pt-BR" sz="3200" spc="-1" strike="noStrike">
+              <a:latin typeface="Arial"/>
             </a:endParaRPr>
           </a:p>
         </p:txBody>
@@ -1171,7 +1233,7 @@
       </p:grpSpPr>
       <p:sp>
         <p:nvSpPr>
-          <p:cNvPr id="18" name="PlaceHolder 1"/>
+          <p:cNvPr id="15" name="PlaceHolder 1"/>
           <p:cNvSpPr>
             <a:spLocks noGrp="1"/>
           </p:cNvSpPr>
@@ -1181,35 +1243,39 @@
         </p:nvSpPr>
         <p:spPr>
           <a:xfrm>
-            <a:off x="755640" y="2348280"/>
-            <a:ext cx="8568000" cy="1620360"/>
-          </a:xfrm>
-          <a:prstGeom prst="rect">
-            <a:avLst/>
-          </a:prstGeom>
+            <a:off x="755280" y="2348280"/>
+            <a:ext cx="8566920" cy="1620000"/>
+          </a:xfrm>
+          <a:prstGeom prst="rect">
+            <a:avLst/>
+          </a:prstGeom>
+          <a:noFill/>
+          <a:ln w="0">
+            <a:noFill/>
+          </a:ln>
         </p:spPr>
         <p:txBody>
           <a:bodyPr lIns="0" rIns="0" tIns="0" bIns="0" anchor="ctr">
             <a:noAutofit/>
           </a:bodyPr>
           <a:p>
-            <a:endParaRPr b="0" lang="en-US" sz="1550" spc="-1" strike="noStrike">
-              <a:solidFill>
-                <a:srgbClr val="000000"/>
-              </a:solidFill>
-              <a:latin typeface="Calibri"/>
-            </a:endParaRPr>
-          </a:p>
-        </p:txBody>
-      </p:sp>
-      <p:sp>
-        <p:nvSpPr>
-          <p:cNvPr id="19" name="PlaceHolder 2"/>
-          <p:cNvSpPr>
-            <a:spLocks noGrp="1"/>
-          </p:cNvSpPr>
-          <p:nvPr>
-            <p:ph type="body"/>
+            <a:pPr algn="ctr">
+              <a:buNone/>
+            </a:pPr>
+            <a:endParaRPr b="0" lang="pt-BR" sz="4400" spc="-1" strike="noStrike">
+              <a:latin typeface="Arial"/>
+            </a:endParaRPr>
+          </a:p>
+        </p:txBody>
+      </p:sp>
+      <p:sp>
+        <p:nvSpPr>
+          <p:cNvPr id="16" name="PlaceHolder 2"/>
+          <p:cNvSpPr>
+            <a:spLocks noGrp="1"/>
+          </p:cNvSpPr>
+          <p:nvPr>
+            <p:ph/>
           </p:nvPr>
         </p:nvSpPr>
         <p:spPr>
@@ -1220,29 +1286,30 @@
           <a:prstGeom prst="rect">
             <a:avLst/>
           </a:prstGeom>
-        </p:spPr>
-        <p:txBody>
-          <a:bodyPr lIns="0" rIns="0" tIns="0" bIns="0">
-            <a:normAutofit fontScale="24000"/>
-          </a:bodyPr>
-          <a:p>
-            <a:endParaRPr b="0" lang="en-US" sz="14400" spc="-1" strike="noStrike">
-              <a:solidFill>
-                <a:srgbClr val="000000"/>
-              </a:solidFill>
-              <a:latin typeface="Calibri"/>
-            </a:endParaRPr>
-          </a:p>
-        </p:txBody>
-      </p:sp>
-      <p:sp>
-        <p:nvSpPr>
-          <p:cNvPr id="20" name="PlaceHolder 3"/>
-          <p:cNvSpPr>
-            <a:spLocks noGrp="1"/>
-          </p:cNvSpPr>
-          <p:nvPr>
-            <p:ph type="body"/>
+          <a:noFill/>
+          <a:ln w="0">
+            <a:noFill/>
+          </a:ln>
+        </p:spPr>
+        <p:txBody>
+          <a:bodyPr lIns="0" rIns="0" tIns="0" bIns="0" anchor="t">
+            <a:normAutofit/>
+          </a:bodyPr>
+          <a:p>
+            <a:endParaRPr b="0" lang="pt-BR" sz="3200" spc="-1" strike="noStrike">
+              <a:latin typeface="Arial"/>
+            </a:endParaRPr>
+          </a:p>
+        </p:txBody>
+      </p:sp>
+      <p:sp>
+        <p:nvSpPr>
+          <p:cNvPr id="17" name="PlaceHolder 3"/>
+          <p:cNvSpPr>
+            <a:spLocks noGrp="1"/>
+          </p:cNvSpPr>
+          <p:nvPr>
+            <p:ph/>
           </p:nvPr>
         </p:nvSpPr>
         <p:spPr>
@@ -1253,29 +1320,30 @@
           <a:prstGeom prst="rect">
             <a:avLst/>
           </a:prstGeom>
-        </p:spPr>
-        <p:txBody>
-          <a:bodyPr lIns="0" rIns="0" tIns="0" bIns="0">
-            <a:normAutofit fontScale="7000"/>
-          </a:bodyPr>
-          <a:p>
-            <a:endParaRPr b="0" lang="en-US" sz="14400" spc="-1" strike="noStrike">
-              <a:solidFill>
-                <a:srgbClr val="000000"/>
-              </a:solidFill>
-              <a:latin typeface="Calibri"/>
-            </a:endParaRPr>
-          </a:p>
-        </p:txBody>
-      </p:sp>
-      <p:sp>
-        <p:nvSpPr>
-          <p:cNvPr id="21" name="PlaceHolder 4"/>
-          <p:cNvSpPr>
-            <a:spLocks noGrp="1"/>
-          </p:cNvSpPr>
-          <p:nvPr>
-            <p:ph type="body"/>
+          <a:noFill/>
+          <a:ln w="0">
+            <a:noFill/>
+          </a:ln>
+        </p:spPr>
+        <p:txBody>
+          <a:bodyPr lIns="0" rIns="0" tIns="0" bIns="0" anchor="t">
+            <a:normAutofit/>
+          </a:bodyPr>
+          <a:p>
+            <a:endParaRPr b="0" lang="pt-BR" sz="3200" spc="-1" strike="noStrike">
+              <a:latin typeface="Arial"/>
+            </a:endParaRPr>
+          </a:p>
+        </p:txBody>
+      </p:sp>
+      <p:sp>
+        <p:nvSpPr>
+          <p:cNvPr id="18" name="PlaceHolder 4"/>
+          <p:cNvSpPr>
+            <a:spLocks noGrp="1"/>
+          </p:cNvSpPr>
+          <p:nvPr>
+            <p:ph/>
           </p:nvPr>
         </p:nvSpPr>
         <p:spPr>
@@ -1286,17 +1354,18 @@
           <a:prstGeom prst="rect">
             <a:avLst/>
           </a:prstGeom>
-        </p:spPr>
-        <p:txBody>
-          <a:bodyPr lIns="0" rIns="0" tIns="0" bIns="0">
-            <a:normAutofit fontScale="7000"/>
-          </a:bodyPr>
-          <a:p>
-            <a:endParaRPr b="0" lang="en-US" sz="14400" spc="-1" strike="noStrike">
-              <a:solidFill>
-                <a:srgbClr val="000000"/>
-              </a:solidFill>
-              <a:latin typeface="Calibri"/>
+          <a:noFill/>
+          <a:ln w="0">
+            <a:noFill/>
+          </a:ln>
+        </p:spPr>
+        <p:txBody>
+          <a:bodyPr lIns="0" rIns="0" tIns="0" bIns="0" anchor="t">
+            <a:normAutofit/>
+          </a:bodyPr>
+          <a:p>
+            <a:endParaRPr b="0" lang="pt-BR" sz="3200" spc="-1" strike="noStrike">
+              <a:latin typeface="Arial"/>
             </a:endParaRPr>
           </a:p>
         </p:txBody>
@@ -1325,7 +1394,7 @@
       </p:grpSpPr>
       <p:sp>
         <p:nvSpPr>
-          <p:cNvPr id="22" name="PlaceHolder 1"/>
+          <p:cNvPr id="19" name="PlaceHolder 1"/>
           <p:cNvSpPr>
             <a:spLocks noGrp="1"/>
           </p:cNvSpPr>
@@ -1335,35 +1404,39 @@
         </p:nvSpPr>
         <p:spPr>
           <a:xfrm>
-            <a:off x="755640" y="2348280"/>
-            <a:ext cx="8568000" cy="1620360"/>
-          </a:xfrm>
-          <a:prstGeom prst="rect">
-            <a:avLst/>
-          </a:prstGeom>
+            <a:off x="755280" y="2348280"/>
+            <a:ext cx="8566920" cy="1620000"/>
+          </a:xfrm>
+          <a:prstGeom prst="rect">
+            <a:avLst/>
+          </a:prstGeom>
+          <a:noFill/>
+          <a:ln w="0">
+            <a:noFill/>
+          </a:ln>
         </p:spPr>
         <p:txBody>
           <a:bodyPr lIns="0" rIns="0" tIns="0" bIns="0" anchor="ctr">
             <a:noAutofit/>
           </a:bodyPr>
           <a:p>
-            <a:endParaRPr b="0" lang="en-US" sz="1550" spc="-1" strike="noStrike">
-              <a:solidFill>
-                <a:srgbClr val="000000"/>
-              </a:solidFill>
-              <a:latin typeface="Calibri"/>
-            </a:endParaRPr>
-          </a:p>
-        </p:txBody>
-      </p:sp>
-      <p:sp>
-        <p:nvSpPr>
-          <p:cNvPr id="23" name="PlaceHolder 2"/>
-          <p:cNvSpPr>
-            <a:spLocks noGrp="1"/>
-          </p:cNvSpPr>
-          <p:nvPr>
-            <p:ph type="body"/>
+            <a:pPr algn="ctr">
+              <a:buNone/>
+            </a:pPr>
+            <a:endParaRPr b="0" lang="pt-BR" sz="4400" spc="-1" strike="noStrike">
+              <a:latin typeface="Arial"/>
+            </a:endParaRPr>
+          </a:p>
+        </p:txBody>
+      </p:sp>
+      <p:sp>
+        <p:nvSpPr>
+          <p:cNvPr id="20" name="PlaceHolder 2"/>
+          <p:cNvSpPr>
+            <a:spLocks noGrp="1"/>
+          </p:cNvSpPr>
+          <p:nvPr>
+            <p:ph/>
           </p:nvPr>
         </p:nvSpPr>
         <p:spPr>
@@ -1374,29 +1447,30 @@
           <a:prstGeom prst="rect">
             <a:avLst/>
           </a:prstGeom>
-        </p:spPr>
-        <p:txBody>
-          <a:bodyPr lIns="0" rIns="0" tIns="0" bIns="0">
-            <a:normAutofit fontScale="7000"/>
-          </a:bodyPr>
-          <a:p>
-            <a:endParaRPr b="0" lang="en-US" sz="14400" spc="-1" strike="noStrike">
-              <a:solidFill>
-                <a:srgbClr val="000000"/>
-              </a:solidFill>
-              <a:latin typeface="Calibri"/>
-            </a:endParaRPr>
-          </a:p>
-        </p:txBody>
-      </p:sp>
-      <p:sp>
-        <p:nvSpPr>
-          <p:cNvPr id="24" name="PlaceHolder 3"/>
-          <p:cNvSpPr>
-            <a:spLocks noGrp="1"/>
-          </p:cNvSpPr>
-          <p:nvPr>
-            <p:ph type="body"/>
+          <a:noFill/>
+          <a:ln w="0">
+            <a:noFill/>
+          </a:ln>
+        </p:spPr>
+        <p:txBody>
+          <a:bodyPr lIns="0" rIns="0" tIns="0" bIns="0" anchor="t">
+            <a:normAutofit/>
+          </a:bodyPr>
+          <a:p>
+            <a:endParaRPr b="0" lang="pt-BR" sz="3200" spc="-1" strike="noStrike">
+              <a:latin typeface="Arial"/>
+            </a:endParaRPr>
+          </a:p>
+        </p:txBody>
+      </p:sp>
+      <p:sp>
+        <p:nvSpPr>
+          <p:cNvPr id="21" name="PlaceHolder 3"/>
+          <p:cNvSpPr>
+            <a:spLocks noGrp="1"/>
+          </p:cNvSpPr>
+          <p:nvPr>
+            <p:ph/>
           </p:nvPr>
         </p:nvSpPr>
         <p:spPr>
@@ -1407,29 +1481,30 @@
           <a:prstGeom prst="rect">
             <a:avLst/>
           </a:prstGeom>
-        </p:spPr>
-        <p:txBody>
-          <a:bodyPr lIns="0" rIns="0" tIns="0" bIns="0">
-            <a:normAutofit fontScale="7000"/>
-          </a:bodyPr>
-          <a:p>
-            <a:endParaRPr b="0" lang="en-US" sz="14400" spc="-1" strike="noStrike">
-              <a:solidFill>
-                <a:srgbClr val="000000"/>
-              </a:solidFill>
-              <a:latin typeface="Calibri"/>
-            </a:endParaRPr>
-          </a:p>
-        </p:txBody>
-      </p:sp>
-      <p:sp>
-        <p:nvSpPr>
-          <p:cNvPr id="25" name="PlaceHolder 4"/>
-          <p:cNvSpPr>
-            <a:spLocks noGrp="1"/>
-          </p:cNvSpPr>
-          <p:nvPr>
-            <p:ph type="body"/>
+          <a:noFill/>
+          <a:ln w="0">
+            <a:noFill/>
+          </a:ln>
+        </p:spPr>
+        <p:txBody>
+          <a:bodyPr lIns="0" rIns="0" tIns="0" bIns="0" anchor="t">
+            <a:normAutofit/>
+          </a:bodyPr>
+          <a:p>
+            <a:endParaRPr b="0" lang="pt-BR" sz="3200" spc="-1" strike="noStrike">
+              <a:latin typeface="Arial"/>
+            </a:endParaRPr>
+          </a:p>
+        </p:txBody>
+      </p:sp>
+      <p:sp>
+        <p:nvSpPr>
+          <p:cNvPr id="22" name="PlaceHolder 4"/>
+          <p:cNvSpPr>
+            <a:spLocks noGrp="1"/>
+          </p:cNvSpPr>
+          <p:nvPr>
+            <p:ph/>
           </p:nvPr>
         </p:nvSpPr>
         <p:spPr>
@@ -1440,17 +1515,18 @@
           <a:prstGeom prst="rect">
             <a:avLst/>
           </a:prstGeom>
-        </p:spPr>
-        <p:txBody>
-          <a:bodyPr lIns="0" rIns="0" tIns="0" bIns="0">
-            <a:normAutofit fontScale="14000"/>
-          </a:bodyPr>
-          <a:p>
-            <a:endParaRPr b="0" lang="en-US" sz="14400" spc="-1" strike="noStrike">
-              <a:solidFill>
-                <a:srgbClr val="000000"/>
-              </a:solidFill>
-              <a:latin typeface="Calibri"/>
+          <a:noFill/>
+          <a:ln w="0">
+            <a:noFill/>
+          </a:ln>
+        </p:spPr>
+        <p:txBody>
+          <a:bodyPr lIns="0" rIns="0" tIns="0" bIns="0" anchor="t">
+            <a:normAutofit/>
+          </a:bodyPr>
+          <a:p>
+            <a:endParaRPr b="0" lang="pt-BR" sz="3200" spc="-1" strike="noStrike">
+              <a:latin typeface="Arial"/>
             </a:endParaRPr>
           </a:p>
         </p:txBody>
@@ -1496,37 +1572,30 @@
         </p:nvSpPr>
         <p:spPr>
           <a:xfrm>
-            <a:off x="755640" y="2348280"/>
-            <a:ext cx="8568000" cy="1620360"/>
-          </a:xfrm>
-          <a:prstGeom prst="rect">
-            <a:avLst/>
-          </a:prstGeom>
-        </p:spPr>
-        <p:txBody>
-          <a:bodyPr lIns="411480" rIns="411480" tIns="205920" bIns="205920" anchor="ctr">
+            <a:off x="755280" y="2348280"/>
+            <a:ext cx="8566920" cy="1620000"/>
+          </a:xfrm>
+          <a:prstGeom prst="rect">
+            <a:avLst/>
+          </a:prstGeom>
+          <a:noFill/>
+          <a:ln w="0">
+            <a:noFill/>
+          </a:ln>
+        </p:spPr>
+        <p:txBody>
+          <a:bodyPr lIns="0" rIns="0" tIns="0" bIns="0" anchor="ctr">
             <a:noAutofit/>
           </a:bodyPr>
           <a:p>
-            <a:pPr algn="ctr">
-              <a:lnSpc>
-                <a:spcPct val="100000"/>
-              </a:lnSpc>
-            </a:pPr>
             <a:r>
-              <a:rPr b="0" lang="x-none" sz="19800" spc="-1" strike="noStrike">
-                <a:solidFill>
-                  <a:srgbClr val="000000"/>
-                </a:solidFill>
-                <a:latin typeface="Calibri"/>
+              <a:rPr b="0" lang="pt-BR" sz="1800" spc="-1" strike="noStrike">
+                <a:latin typeface="Arial"/>
               </a:rPr>
-              <a:t>Click to edit Master title style</a:t>
+              <a:t>Clique para editar o formato do texto do título</a:t>
             </a:r>
-            <a:endParaRPr b="0" lang="en-US" sz="19800" spc="-1" strike="noStrike">
-              <a:solidFill>
-                <a:srgbClr val="000000"/>
-              </a:solidFill>
-              <a:latin typeface="Calibri"/>
+            <a:endParaRPr b="0" lang="pt-BR" sz="1800" spc="-1" strike="noStrike">
+              <a:latin typeface="Arial"/>
             </a:endParaRPr>
           </a:p>
         </p:txBody>
@@ -1534,124 +1603,6 @@
       <p:sp>
         <p:nvSpPr>
           <p:cNvPr id="1" name="PlaceHolder 2"/>
-          <p:cNvSpPr>
-            <a:spLocks noGrp="1"/>
-          </p:cNvSpPr>
-          <p:nvPr>
-            <p:ph type="dt"/>
-          </p:nvPr>
-        </p:nvSpPr>
-        <p:spPr>
-          <a:xfrm>
-            <a:off x="504000" y="7006680"/>
-            <a:ext cx="2351880" cy="402480"/>
-          </a:xfrm>
-          <a:prstGeom prst="rect">
-            <a:avLst/>
-          </a:prstGeom>
-        </p:spPr>
-        <p:txBody>
-          <a:bodyPr lIns="411480" rIns="411480" tIns="205920" bIns="205920" anchor="ctr">
-            <a:noAutofit/>
-          </a:bodyPr>
-          <a:p>
-            <a:pPr>
-              <a:lnSpc>
-                <a:spcPct val="100000"/>
-              </a:lnSpc>
-            </a:pPr>
-            <a:fld id="{927A5058-BBF6-41D1-9714-0242CD7A9F24}" type="datetime">
-              <a:rPr b="0" lang="en-US" sz="5400" spc="-1" strike="noStrike">
-                <a:solidFill>
-                  <a:srgbClr val="8b8b8b"/>
-                </a:solidFill>
-                <a:latin typeface="Calibri"/>
-              </a:rPr>
-              <a:t>8/4/23</a:t>
-            </a:fld>
-            <a:endParaRPr b="0" lang="pt-BR" sz="5400" spc="-1" strike="noStrike">
-              <a:latin typeface="Times New Roman"/>
-            </a:endParaRPr>
-          </a:p>
-        </p:txBody>
-      </p:sp>
-      <p:sp>
-        <p:nvSpPr>
-          <p:cNvPr id="2" name="PlaceHolder 3"/>
-          <p:cNvSpPr>
-            <a:spLocks noGrp="1"/>
-          </p:cNvSpPr>
-          <p:nvPr>
-            <p:ph type="ftr"/>
-          </p:nvPr>
-        </p:nvSpPr>
-        <p:spPr>
-          <a:xfrm>
-            <a:off x="3443760" y="7006680"/>
-            <a:ext cx="3191760" cy="402480"/>
-          </a:xfrm>
-          <a:prstGeom prst="rect">
-            <a:avLst/>
-          </a:prstGeom>
-        </p:spPr>
-        <p:txBody>
-          <a:bodyPr lIns="411480" rIns="411480" tIns="205920" bIns="205920" anchor="ctr">
-            <a:noAutofit/>
-          </a:bodyPr>
-          <a:p>
-            <a:endParaRPr b="0" lang="pt-BR" sz="2400" spc="-1" strike="noStrike">
-              <a:latin typeface="Times New Roman"/>
-            </a:endParaRPr>
-          </a:p>
-        </p:txBody>
-      </p:sp>
-      <p:sp>
-        <p:nvSpPr>
-          <p:cNvPr id="3" name="PlaceHolder 4"/>
-          <p:cNvSpPr>
-            <a:spLocks noGrp="1"/>
-          </p:cNvSpPr>
-          <p:nvPr>
-            <p:ph type="sldNum"/>
-          </p:nvPr>
-        </p:nvSpPr>
-        <p:spPr>
-          <a:xfrm>
-            <a:off x="7223760" y="7006680"/>
-            <a:ext cx="2351880" cy="402480"/>
-          </a:xfrm>
-          <a:prstGeom prst="rect">
-            <a:avLst/>
-          </a:prstGeom>
-        </p:spPr>
-        <p:txBody>
-          <a:bodyPr lIns="411480" rIns="411480" tIns="205920" bIns="205920" anchor="ctr">
-            <a:noAutofit/>
-          </a:bodyPr>
-          <a:p>
-            <a:pPr algn="r">
-              <a:lnSpc>
-                <a:spcPct val="100000"/>
-              </a:lnSpc>
-            </a:pPr>
-            <a:fld id="{9A7D2145-2795-44F1-B597-52BB65D0CB84}" type="slidenum">
-              <a:rPr b="0" lang="en-US" sz="5400" spc="-1" strike="noStrike">
-                <a:solidFill>
-                  <a:srgbClr val="8b8b8b"/>
-                </a:solidFill>
-                <a:latin typeface="Calibri"/>
-              </a:rPr>
-              <a:t>&lt;número&gt;</a:t>
-            </a:fld>
-            <a:endParaRPr b="0" lang="pt-BR" sz="5400" spc="-1" strike="noStrike">
-              <a:latin typeface="Times New Roman"/>
-            </a:endParaRPr>
-          </a:p>
-        </p:txBody>
-      </p:sp>
-      <p:sp>
-        <p:nvSpPr>
-          <p:cNvPr id="4" name="PlaceHolder 5"/>
           <p:cNvSpPr>
             <a:spLocks noGrp="1"/>
           </p:cNvSpPr>
@@ -1667,10 +1618,14 @@
           <a:prstGeom prst="rect">
             <a:avLst/>
           </a:prstGeom>
-        </p:spPr>
-        <p:txBody>
-          <a:bodyPr lIns="0" rIns="0" tIns="0" bIns="0">
-            <a:normAutofit fontScale="7000"/>
+          <a:noFill/>
+          <a:ln w="0">
+            <a:noFill/>
+          </a:ln>
+        </p:spPr>
+        <p:txBody>
+          <a:bodyPr lIns="0" rIns="0" tIns="0" bIns="0" anchor="t">
+            <a:normAutofit/>
           </a:bodyPr>
           <a:p>
             <a:pPr marL="432000" indent="-324000">
@@ -1685,19 +1640,13 @@
               <a:buChar char=""/>
             </a:pPr>
             <a:r>
-              <a:rPr b="0" lang="en-US" sz="14400" spc="-1" strike="noStrike">
-                <a:solidFill>
-                  <a:srgbClr val="000000"/>
-                </a:solidFill>
-                <a:latin typeface="Calibri"/>
+              <a:rPr b="0" lang="pt-BR" sz="3200" spc="-1" strike="noStrike">
+                <a:latin typeface="Arial"/>
               </a:rPr>
               <a:t>Clique para editar o formato do texto da estrutura de tópicos</a:t>
             </a:r>
-            <a:endParaRPr b="0" lang="en-US" sz="14400" spc="-1" strike="noStrike">
-              <a:solidFill>
-                <a:srgbClr val="000000"/>
-              </a:solidFill>
-              <a:latin typeface="Calibri"/>
+            <a:endParaRPr b="0" lang="pt-BR" sz="3200" spc="-1" strike="noStrike">
+              <a:latin typeface="Arial"/>
             </a:endParaRPr>
           </a:p>
           <a:p>
@@ -1713,19 +1662,13 @@
               <a:buChar char=""/>
             </a:pPr>
             <a:r>
-              <a:rPr b="0" lang="en-US" sz="10800" spc="-1" strike="noStrike">
-                <a:solidFill>
-                  <a:srgbClr val="000000"/>
-                </a:solidFill>
-                <a:latin typeface="Calibri"/>
+              <a:rPr b="0" lang="pt-BR" sz="2800" spc="-1" strike="noStrike">
+                <a:latin typeface="Arial"/>
               </a:rPr>
               <a:t>2.º nível da estrutura de tópicos</a:t>
             </a:r>
-            <a:endParaRPr b="0" lang="en-US" sz="10800" spc="-1" strike="noStrike">
-              <a:solidFill>
-                <a:srgbClr val="000000"/>
-              </a:solidFill>
-              <a:latin typeface="Calibri"/>
+            <a:endParaRPr b="0" lang="pt-BR" sz="2800" spc="-1" strike="noStrike">
+              <a:latin typeface="Arial"/>
             </a:endParaRPr>
           </a:p>
           <a:p>
@@ -1741,19 +1684,13 @@
               <a:buChar char=""/>
             </a:pPr>
             <a:r>
-              <a:rPr b="0" lang="en-US" sz="9000" spc="-1" strike="noStrike">
-                <a:solidFill>
-                  <a:srgbClr val="000000"/>
-                </a:solidFill>
-                <a:latin typeface="Calibri"/>
+              <a:rPr b="0" lang="pt-BR" sz="2400" spc="-1" strike="noStrike">
+                <a:latin typeface="Arial"/>
               </a:rPr>
               <a:t>3.º nível da estrutura de tópicos</a:t>
             </a:r>
-            <a:endParaRPr b="0" lang="en-US" sz="9000" spc="-1" strike="noStrike">
-              <a:solidFill>
-                <a:srgbClr val="000000"/>
-              </a:solidFill>
-              <a:latin typeface="Calibri"/>
+            <a:endParaRPr b="0" lang="pt-BR" sz="2400" spc="-1" strike="noStrike">
+              <a:latin typeface="Arial"/>
             </a:endParaRPr>
           </a:p>
           <a:p>
@@ -1769,19 +1706,13 @@
               <a:buChar char=""/>
             </a:pPr>
             <a:r>
-              <a:rPr b="0" lang="en-US" sz="9000" spc="-1" strike="noStrike">
-                <a:solidFill>
-                  <a:srgbClr val="000000"/>
-                </a:solidFill>
-                <a:latin typeface="Calibri"/>
+              <a:rPr b="0" lang="pt-BR" sz="2000" spc="-1" strike="noStrike">
+                <a:latin typeface="Arial"/>
               </a:rPr>
               <a:t>4.º nível da estrutura de tópicos</a:t>
             </a:r>
-            <a:endParaRPr b="0" lang="en-US" sz="9000" spc="-1" strike="noStrike">
-              <a:solidFill>
-                <a:srgbClr val="000000"/>
-              </a:solidFill>
-              <a:latin typeface="Calibri"/>
+            <a:endParaRPr b="0" lang="pt-BR" sz="2000" spc="-1" strike="noStrike">
+              <a:latin typeface="Arial"/>
             </a:endParaRPr>
           </a:p>
           <a:p>
@@ -1797,19 +1728,13 @@
               <a:buChar char=""/>
             </a:pPr>
             <a:r>
-              <a:rPr b="0" lang="en-US" sz="2000" spc="-1" strike="noStrike">
-                <a:solidFill>
-                  <a:srgbClr val="000000"/>
-                </a:solidFill>
-                <a:latin typeface="Calibri"/>
+              <a:rPr b="0" lang="pt-BR" sz="2000" spc="-1" strike="noStrike">
+                <a:latin typeface="Arial"/>
               </a:rPr>
               <a:t>5.º nível da estrutura de tópicos</a:t>
             </a:r>
-            <a:endParaRPr b="0" lang="en-US" sz="2000" spc="-1" strike="noStrike">
-              <a:solidFill>
-                <a:srgbClr val="000000"/>
-              </a:solidFill>
-              <a:latin typeface="Calibri"/>
+            <a:endParaRPr b="0" lang="pt-BR" sz="2000" spc="-1" strike="noStrike">
+              <a:latin typeface="Arial"/>
             </a:endParaRPr>
           </a:p>
           <a:p>
@@ -1825,19 +1750,13 @@
               <a:buChar char=""/>
             </a:pPr>
             <a:r>
-              <a:rPr b="0" lang="en-US" sz="2000" spc="-1" strike="noStrike">
-                <a:solidFill>
-                  <a:srgbClr val="000000"/>
-                </a:solidFill>
-                <a:latin typeface="Calibri"/>
+              <a:rPr b="0" lang="pt-BR" sz="2000" spc="-1" strike="noStrike">
+                <a:latin typeface="Arial"/>
               </a:rPr>
               <a:t>6.º nível da estrutura de tópicos</a:t>
             </a:r>
-            <a:endParaRPr b="0" lang="en-US" sz="2000" spc="-1" strike="noStrike">
-              <a:solidFill>
-                <a:srgbClr val="000000"/>
-              </a:solidFill>
-              <a:latin typeface="Calibri"/>
+            <a:endParaRPr b="0" lang="pt-BR" sz="2000" spc="-1" strike="noStrike">
+              <a:latin typeface="Arial"/>
             </a:endParaRPr>
           </a:p>
           <a:p>
@@ -1853,19 +1772,13 @@
               <a:buChar char=""/>
             </a:pPr>
             <a:r>
-              <a:rPr b="0" lang="en-US" sz="2000" spc="-1" strike="noStrike">
-                <a:solidFill>
-                  <a:srgbClr val="000000"/>
-                </a:solidFill>
-                <a:latin typeface="Calibri"/>
+              <a:rPr b="0" lang="pt-BR" sz="2000" spc="-1" strike="noStrike">
+                <a:latin typeface="Arial"/>
               </a:rPr>
               <a:t>7.º nível da estrutura de tópicos</a:t>
             </a:r>
-            <a:endParaRPr b="0" lang="en-US" sz="2000" spc="-1" strike="noStrike">
-              <a:solidFill>
-                <a:srgbClr val="000000"/>
-              </a:solidFill>
-              <a:latin typeface="Calibri"/>
+            <a:endParaRPr b="0" lang="pt-BR" sz="2000" spc="-1" strike="noStrike">
+              <a:latin typeface="Arial"/>
             </a:endParaRPr>
           </a:p>
         </p:txBody>
@@ -1896,7 +1809,7 @@
     <p:bg>
       <p:bgPr>
         <a:solidFill>
-          <a:srgbClr val="ffffff"/>
+          <a:srgbClr val="000000"/>
         </a:solidFill>
       </p:bgPr>
     </p:bg>
@@ -1916,7 +1829,7 @@
       </p:grpSpPr>
       <p:pic>
         <p:nvPicPr>
-          <p:cNvPr id="41" name="Imagem 3" descr=""/>
+          <p:cNvPr id="38" name="Imagem 3" descr=""/>
           <p:cNvPicPr/>
           <p:nvPr/>
         </p:nvPicPr>
@@ -1927,12 +1840,12 @@
         <p:spPr>
           <a:xfrm>
             <a:off x="0" y="0"/>
-            <a:ext cx="10080000" cy="648000"/>
-          </a:xfrm>
-          <a:prstGeom prst="rect">
-            <a:avLst/>
-          </a:prstGeom>
-          <a:ln>
+            <a:ext cx="10078920" cy="647640"/>
+          </a:xfrm>
+          <a:prstGeom prst="rect">
+            <a:avLst/>
+          </a:prstGeom>
+          <a:ln w="0">
             <a:noFill/>
           </a:ln>
         </p:spPr>
